--- a/工作/abp/abp.pptx
+++ b/工作/abp/abp.pptx
@@ -11,6 +11,9 @@
     <p:sldId id="259" r:id="rId5"/>
     <p:sldId id="260" r:id="rId6"/>
     <p:sldId id="261" r:id="rId7"/>
+    <p:sldId id="262" r:id="rId8"/>
+    <p:sldId id="263" r:id="rId9"/>
+    <p:sldId id="264" r:id="rId10"/>
   </p:sldIdLst>
   <p:sldSz cx="12192000" cy="6858000"/>
   <p:notesSz cx="6858000" cy="9144000"/>
@@ -109,6 +112,11 @@
       </a:defRPr>
     </a:lvl9pPr>
   </p:defaultTextStyle>
+  <p:extLst>
+    <p:ext uri="{EFAFB233-063F-42B5-8137-9DF3F51BA10A}">
+      <p15:sldGuideLst xmlns:p15="http://schemas.microsoft.com/office/powerpoint/2012/main"/>
+    </p:ext>
+  </p:extLst>
 </p:presentation>
 </file>
 
@@ -243,7 +251,7 @@
           <a:p>
             <a:fld id="{358AA5A4-914D-4AE0-AC76-504224CD10D5}" type="datetimeFigureOut">
               <a:rPr lang="zh-CN" altLang="en-US" smtClean="0"/>
-              <a:t>2017/8/2 Wednesday</a:t>
+              <a:t>2017/8/3 Thursday</a:t>
             </a:fld>
             <a:endParaRPr lang="zh-CN" altLang="en-US"/>
           </a:p>
@@ -413,7 +421,7 @@
           <a:p>
             <a:fld id="{358AA5A4-914D-4AE0-AC76-504224CD10D5}" type="datetimeFigureOut">
               <a:rPr lang="zh-CN" altLang="en-US" smtClean="0"/>
-              <a:t>2017/8/2 Wednesday</a:t>
+              <a:t>2017/8/3 Thursday</a:t>
             </a:fld>
             <a:endParaRPr lang="zh-CN" altLang="en-US"/>
           </a:p>
@@ -593,7 +601,7 @@
           <a:p>
             <a:fld id="{358AA5A4-914D-4AE0-AC76-504224CD10D5}" type="datetimeFigureOut">
               <a:rPr lang="zh-CN" altLang="en-US" smtClean="0"/>
-              <a:t>2017/8/2 Wednesday</a:t>
+              <a:t>2017/8/3 Thursday</a:t>
             </a:fld>
             <a:endParaRPr lang="zh-CN" altLang="en-US"/>
           </a:p>
@@ -763,7 +771,7 @@
           <a:p>
             <a:fld id="{358AA5A4-914D-4AE0-AC76-504224CD10D5}" type="datetimeFigureOut">
               <a:rPr lang="zh-CN" altLang="en-US" smtClean="0"/>
-              <a:t>2017/8/2 Wednesday</a:t>
+              <a:t>2017/8/3 Thursday</a:t>
             </a:fld>
             <a:endParaRPr lang="zh-CN" altLang="en-US"/>
           </a:p>
@@ -1009,7 +1017,7 @@
           <a:p>
             <a:fld id="{358AA5A4-914D-4AE0-AC76-504224CD10D5}" type="datetimeFigureOut">
               <a:rPr lang="zh-CN" altLang="en-US" smtClean="0"/>
-              <a:t>2017/8/2 Wednesday</a:t>
+              <a:t>2017/8/3 Thursday</a:t>
             </a:fld>
             <a:endParaRPr lang="zh-CN" altLang="en-US"/>
           </a:p>
@@ -1241,7 +1249,7 @@
           <a:p>
             <a:fld id="{358AA5A4-914D-4AE0-AC76-504224CD10D5}" type="datetimeFigureOut">
               <a:rPr lang="zh-CN" altLang="en-US" smtClean="0"/>
-              <a:t>2017/8/2 Wednesday</a:t>
+              <a:t>2017/8/3 Thursday</a:t>
             </a:fld>
             <a:endParaRPr lang="zh-CN" altLang="en-US"/>
           </a:p>
@@ -1608,7 +1616,7 @@
           <a:p>
             <a:fld id="{358AA5A4-914D-4AE0-AC76-504224CD10D5}" type="datetimeFigureOut">
               <a:rPr lang="zh-CN" altLang="en-US" smtClean="0"/>
-              <a:t>2017/8/2 Wednesday</a:t>
+              <a:t>2017/8/3 Thursday</a:t>
             </a:fld>
             <a:endParaRPr lang="zh-CN" altLang="en-US"/>
           </a:p>
@@ -1726,7 +1734,7 @@
           <a:p>
             <a:fld id="{358AA5A4-914D-4AE0-AC76-504224CD10D5}" type="datetimeFigureOut">
               <a:rPr lang="zh-CN" altLang="en-US" smtClean="0"/>
-              <a:t>2017/8/2 Wednesday</a:t>
+              <a:t>2017/8/3 Thursday</a:t>
             </a:fld>
             <a:endParaRPr lang="zh-CN" altLang="en-US"/>
           </a:p>
@@ -1821,7 +1829,7 @@
           <a:p>
             <a:fld id="{358AA5A4-914D-4AE0-AC76-504224CD10D5}" type="datetimeFigureOut">
               <a:rPr lang="zh-CN" altLang="en-US" smtClean="0"/>
-              <a:t>2017/8/2 Wednesday</a:t>
+              <a:t>2017/8/3 Thursday</a:t>
             </a:fld>
             <a:endParaRPr lang="zh-CN" altLang="en-US"/>
           </a:p>
@@ -2098,7 +2106,7 @@
           <a:p>
             <a:fld id="{358AA5A4-914D-4AE0-AC76-504224CD10D5}" type="datetimeFigureOut">
               <a:rPr lang="zh-CN" altLang="en-US" smtClean="0"/>
-              <a:t>2017/8/2 Wednesday</a:t>
+              <a:t>2017/8/3 Thursday</a:t>
             </a:fld>
             <a:endParaRPr lang="zh-CN" altLang="en-US"/>
           </a:p>
@@ -2351,7 +2359,7 @@
           <a:p>
             <a:fld id="{358AA5A4-914D-4AE0-AC76-504224CD10D5}" type="datetimeFigureOut">
               <a:rPr lang="zh-CN" altLang="en-US" smtClean="0"/>
-              <a:t>2017/8/2 Wednesday</a:t>
+              <a:t>2017/8/3 Thursday</a:t>
             </a:fld>
             <a:endParaRPr lang="zh-CN" altLang="en-US"/>
           </a:p>
@@ -2564,7 +2572,7 @@
           <a:p>
             <a:fld id="{358AA5A4-914D-4AE0-AC76-504224CD10D5}" type="datetimeFigureOut">
               <a:rPr lang="zh-CN" altLang="en-US" smtClean="0"/>
-              <a:t>2017/8/2 Wednesday</a:t>
+              <a:t>2017/8/3 Thursday</a:t>
             </a:fld>
             <a:endParaRPr lang="zh-CN" altLang="en-US"/>
           </a:p>
@@ -4534,30 +4542,530 @@
       </p:sp>
       <p:sp>
         <p:nvSpPr>
-          <p:cNvPr id="5" name="矩形 4"/>
+          <p:cNvPr id="2" name="矩形 1"/>
           <p:cNvSpPr/>
           <p:nvPr/>
         </p:nvSpPr>
         <p:spPr>
           <a:xfrm>
-            <a:off x="476744" y="799306"/>
-            <a:ext cx="9950146" cy="369332"/>
+            <a:off x="798142" y="806621"/>
+            <a:ext cx="5955476" cy="369332"/>
           </a:xfrm>
           <a:prstGeom prst="rect">
             <a:avLst/>
           </a:prstGeom>
         </p:spPr>
         <p:txBody>
+          <a:bodyPr wrap="none">
+            <a:spAutoFit/>
+          </a:bodyPr>
+          <a:lstStyle/>
+          <a:p>
+            <a:r>
+              <a:rPr lang="en-US" altLang="zh-CN" dirty="0">
+                <a:solidFill>
+                  <a:srgbClr val="333333"/>
+                </a:solidFill>
+                <a:latin typeface="Roboto"/>
+              </a:rPr>
+              <a:t>Generally, an assembly is considered as a module. </a:t>
+            </a:r>
+            <a:endParaRPr lang="zh-CN" altLang="en-US" dirty="0"/>
+          </a:p>
+        </p:txBody>
+      </p:sp>
+      <p:sp>
+        <p:nvSpPr>
+          <p:cNvPr id="3" name="矩形 2"/>
+          <p:cNvSpPr/>
+          <p:nvPr/>
+        </p:nvSpPr>
+        <p:spPr>
+          <a:xfrm>
+            <a:off x="0" y="1188267"/>
+            <a:ext cx="2800767" cy="461665"/>
+          </a:xfrm>
+          <a:prstGeom prst="rect">
+            <a:avLst/>
+          </a:prstGeom>
+        </p:spPr>
+        <p:txBody>
+          <a:bodyPr wrap="none">
+            <a:spAutoFit/>
+          </a:bodyPr>
+          <a:lstStyle/>
+          <a:p>
+            <a:r>
+              <a:rPr lang="en-US" altLang="zh-CN" sz="2400" dirty="0">
+                <a:solidFill>
+                  <a:srgbClr val="333333"/>
+                </a:solidFill>
+                <a:latin typeface="Roboto"/>
+              </a:rPr>
+              <a:t>Module Definition</a:t>
+            </a:r>
+            <a:endParaRPr lang="en-US" altLang="zh-CN" sz="2400" b="0" i="0" dirty="0">
+              <a:solidFill>
+                <a:srgbClr val="333333"/>
+              </a:solidFill>
+              <a:effectLst/>
+              <a:latin typeface="Roboto"/>
+            </a:endParaRPr>
+          </a:p>
+        </p:txBody>
+      </p:sp>
+      <p:sp>
+        <p:nvSpPr>
+          <p:cNvPr id="9" name="矩形 8"/>
+          <p:cNvSpPr/>
+          <p:nvPr/>
+        </p:nvSpPr>
+        <p:spPr>
+          <a:xfrm>
+            <a:off x="15079" y="1718619"/>
+            <a:ext cx="2800767" cy="461665"/>
+          </a:xfrm>
+          <a:prstGeom prst="rect">
+            <a:avLst/>
+          </a:prstGeom>
+        </p:spPr>
+        <p:txBody>
+          <a:bodyPr wrap="none">
+            <a:spAutoFit/>
+          </a:bodyPr>
+          <a:lstStyle/>
+          <a:p>
+            <a:r>
+              <a:rPr lang="en-US" altLang="zh-CN" sz="2400" dirty="0">
+                <a:solidFill>
+                  <a:srgbClr val="333333"/>
+                </a:solidFill>
+                <a:latin typeface="Roboto"/>
+              </a:rPr>
+              <a:t>Lifecycle Methods</a:t>
+            </a:r>
+            <a:endParaRPr lang="en-US" altLang="zh-CN" sz="2400" b="0" i="0" dirty="0">
+              <a:solidFill>
+                <a:srgbClr val="333333"/>
+              </a:solidFill>
+              <a:effectLst/>
+              <a:latin typeface="Roboto"/>
+            </a:endParaRPr>
+          </a:p>
+        </p:txBody>
+      </p:sp>
+      <p:sp>
+        <p:nvSpPr>
+          <p:cNvPr id="10" name="矩形 9"/>
+          <p:cNvSpPr/>
+          <p:nvPr/>
+        </p:nvSpPr>
+        <p:spPr>
+          <a:xfrm>
+            <a:off x="798140" y="2164461"/>
+            <a:ext cx="11143649" cy="923330"/>
+          </a:xfrm>
+          <a:prstGeom prst="rect">
+            <a:avLst/>
+          </a:prstGeom>
+        </p:spPr>
+        <p:txBody>
           <a:bodyPr wrap="square">
             <a:spAutoFit/>
           </a:bodyPr>
           <a:lstStyle/>
           <a:p>
             <a:r>
+              <a:rPr lang="en-US" altLang="zh-CN" dirty="0">
+                <a:solidFill>
+                  <a:srgbClr val="333333"/>
+                </a:solidFill>
+                <a:latin typeface="Roboto"/>
+              </a:rPr>
+              <a:t>A depends on module B, module B is initialized before module A. </a:t>
+            </a:r>
+            <a:endParaRPr lang="en-US" altLang="zh-CN" dirty="0" smtClean="0">
+              <a:solidFill>
+                <a:srgbClr val="333333"/>
+              </a:solidFill>
+              <a:latin typeface="Roboto"/>
+            </a:endParaRPr>
+          </a:p>
+          <a:p>
+            <a:r>
+              <a:rPr lang="en-US" altLang="zh-CN" dirty="0" smtClean="0">
+                <a:solidFill>
+                  <a:srgbClr val="333333"/>
+                </a:solidFill>
+                <a:latin typeface="Roboto"/>
+              </a:rPr>
+              <a:t>Exact </a:t>
+            </a:r>
+            <a:r>
+              <a:rPr lang="en-US" altLang="zh-CN" dirty="0">
+                <a:solidFill>
+                  <a:srgbClr val="333333"/>
+                </a:solidFill>
+                <a:latin typeface="Roboto"/>
+              </a:rPr>
+              <a:t>order of startup methods: </a:t>
+            </a:r>
+            <a:r>
+              <a:rPr lang="en-US" altLang="zh-CN" dirty="0" err="1">
+                <a:solidFill>
+                  <a:srgbClr val="333333"/>
+                </a:solidFill>
+                <a:latin typeface="Roboto"/>
+              </a:rPr>
+              <a:t>PreInitialize</a:t>
+            </a:r>
+            <a:r>
+              <a:rPr lang="en-US" altLang="zh-CN" dirty="0">
+                <a:solidFill>
+                  <a:srgbClr val="333333"/>
+                </a:solidFill>
+                <a:latin typeface="Roboto"/>
+              </a:rPr>
+              <a:t>-B, </a:t>
+            </a:r>
+            <a:r>
+              <a:rPr lang="en-US" altLang="zh-CN" dirty="0" err="1">
+                <a:solidFill>
+                  <a:srgbClr val="333333"/>
+                </a:solidFill>
+                <a:latin typeface="Roboto"/>
+              </a:rPr>
+              <a:t>PreInitialize</a:t>
+            </a:r>
+            <a:r>
+              <a:rPr lang="en-US" altLang="zh-CN" dirty="0">
+                <a:solidFill>
+                  <a:srgbClr val="333333"/>
+                </a:solidFill>
+                <a:latin typeface="Roboto"/>
+              </a:rPr>
+              <a:t>-A, Initialize-B, Initialize-A, </a:t>
+            </a:r>
+            <a:r>
+              <a:rPr lang="en-US" altLang="zh-CN" dirty="0" err="1">
+                <a:solidFill>
+                  <a:srgbClr val="333333"/>
+                </a:solidFill>
+                <a:latin typeface="Roboto"/>
+              </a:rPr>
+              <a:t>PostInitialize</a:t>
+            </a:r>
+            <a:r>
+              <a:rPr lang="en-US" altLang="zh-CN" dirty="0">
+                <a:solidFill>
+                  <a:srgbClr val="333333"/>
+                </a:solidFill>
+                <a:latin typeface="Roboto"/>
+              </a:rPr>
+              <a:t>-B and </a:t>
+            </a:r>
+            <a:r>
+              <a:rPr lang="en-US" altLang="zh-CN" dirty="0" err="1">
+                <a:solidFill>
+                  <a:srgbClr val="333333"/>
+                </a:solidFill>
+                <a:latin typeface="Roboto"/>
+              </a:rPr>
+              <a:t>PostInitialize</a:t>
+            </a:r>
+            <a:r>
+              <a:rPr lang="en-US" altLang="zh-CN" dirty="0">
+                <a:solidFill>
+                  <a:srgbClr val="333333"/>
+                </a:solidFill>
+                <a:latin typeface="Roboto"/>
+              </a:rPr>
+              <a:t>-A. </a:t>
+            </a:r>
+            <a:endParaRPr lang="zh-CN" altLang="en-US" dirty="0"/>
+          </a:p>
+        </p:txBody>
+      </p:sp>
+      <p:sp>
+        <p:nvSpPr>
+          <p:cNvPr id="11" name="矩形 10"/>
+          <p:cNvSpPr/>
+          <p:nvPr/>
+        </p:nvSpPr>
+        <p:spPr>
+          <a:xfrm>
+            <a:off x="476744" y="3163640"/>
+            <a:ext cx="1685077" cy="369332"/>
+          </a:xfrm>
+          <a:prstGeom prst="rect">
+            <a:avLst/>
+          </a:prstGeom>
+        </p:spPr>
+        <p:txBody>
+          <a:bodyPr wrap="none">
+            <a:spAutoFit/>
+          </a:bodyPr>
+          <a:lstStyle/>
+          <a:p>
+            <a:r>
+              <a:rPr lang="en-US" altLang="zh-CN" dirty="0" err="1">
+                <a:solidFill>
+                  <a:srgbClr val="333333"/>
+                </a:solidFill>
+                <a:latin typeface="Roboto"/>
+              </a:rPr>
+              <a:t>PreInitialize</a:t>
+            </a:r>
+            <a:endParaRPr lang="en-US" altLang="zh-CN" b="0" i="0" dirty="0">
+              <a:solidFill>
+                <a:srgbClr val="333333"/>
+              </a:solidFill>
+              <a:effectLst/>
+              <a:latin typeface="Roboto"/>
+            </a:endParaRPr>
+          </a:p>
+        </p:txBody>
+      </p:sp>
+      <p:sp>
+        <p:nvSpPr>
+          <p:cNvPr id="12" name="矩形 11"/>
+          <p:cNvSpPr/>
+          <p:nvPr/>
+        </p:nvSpPr>
+        <p:spPr>
+          <a:xfrm>
+            <a:off x="798142" y="3625305"/>
+            <a:ext cx="11143649" cy="369332"/>
+          </a:xfrm>
+          <a:prstGeom prst="rect">
+            <a:avLst/>
+          </a:prstGeom>
+        </p:spPr>
+        <p:txBody>
+          <a:bodyPr wrap="square">
+            <a:spAutoFit/>
+          </a:bodyPr>
+          <a:lstStyle/>
+          <a:p>
+            <a:r>
+              <a:rPr lang="zh-CN" altLang="en-US" dirty="0" smtClean="0">
+                <a:solidFill>
+                  <a:srgbClr val="333333"/>
+                </a:solidFill>
+                <a:latin typeface="Roboto"/>
+              </a:rPr>
+              <a:t>在</a:t>
+            </a:r>
+            <a:r>
+              <a:rPr lang="en-US" altLang="zh-CN" dirty="0" smtClean="0"/>
+              <a:t>initialize</a:t>
+            </a:r>
+            <a:r>
               <a:rPr lang="zh-CN" altLang="en-US" dirty="0" smtClean="0"/>
-              <a:t>https://aspnetboilerplate.com/Pages/Documents/Module-System</a:t>
+              <a:t>之前配置框架和模块，依赖注入注册之前。</a:t>
             </a:r>
             <a:endParaRPr lang="zh-CN" altLang="en-US" dirty="0"/>
+          </a:p>
+        </p:txBody>
+      </p:sp>
+      <p:sp>
+        <p:nvSpPr>
+          <p:cNvPr id="13" name="矩形 12"/>
+          <p:cNvSpPr/>
+          <p:nvPr/>
+        </p:nvSpPr>
+        <p:spPr>
+          <a:xfrm>
+            <a:off x="476744" y="4086970"/>
+            <a:ext cx="1338828" cy="369332"/>
+          </a:xfrm>
+          <a:prstGeom prst="rect">
+            <a:avLst/>
+          </a:prstGeom>
+        </p:spPr>
+        <p:txBody>
+          <a:bodyPr wrap="none">
+            <a:spAutoFit/>
+          </a:bodyPr>
+          <a:lstStyle/>
+          <a:p>
+            <a:r>
+              <a:rPr lang="en-US" altLang="zh-CN" dirty="0">
+                <a:solidFill>
+                  <a:srgbClr val="333333"/>
+                </a:solidFill>
+                <a:latin typeface="Roboto"/>
+              </a:rPr>
+              <a:t>Initialize</a:t>
+            </a:r>
+            <a:endParaRPr lang="en-US" altLang="zh-CN" b="0" i="0" dirty="0">
+              <a:solidFill>
+                <a:srgbClr val="333333"/>
+              </a:solidFill>
+              <a:effectLst/>
+              <a:latin typeface="Roboto"/>
+            </a:endParaRPr>
+          </a:p>
+        </p:txBody>
+      </p:sp>
+      <p:sp>
+        <p:nvSpPr>
+          <p:cNvPr id="14" name="矩形 13"/>
+          <p:cNvSpPr/>
+          <p:nvPr/>
+        </p:nvSpPr>
+        <p:spPr>
+          <a:xfrm>
+            <a:off x="798141" y="4548635"/>
+            <a:ext cx="11143649" cy="369332"/>
+          </a:xfrm>
+          <a:prstGeom prst="rect">
+            <a:avLst/>
+          </a:prstGeom>
+        </p:spPr>
+        <p:txBody>
+          <a:bodyPr wrap="square">
+            <a:spAutoFit/>
+          </a:bodyPr>
+          <a:lstStyle/>
+          <a:p>
+            <a:r>
+              <a:rPr lang="zh-CN" altLang="en-US" dirty="0" smtClean="0">
+                <a:solidFill>
+                  <a:srgbClr val="333333"/>
+                </a:solidFill>
+                <a:latin typeface="Roboto"/>
+              </a:rPr>
+              <a:t>完成</a:t>
+            </a:r>
+            <a:r>
+              <a:rPr lang="zh-CN" altLang="en-US" dirty="0" smtClean="0"/>
+              <a:t>依赖注入。</a:t>
+            </a:r>
+            <a:endParaRPr lang="zh-CN" altLang="en-US" dirty="0"/>
+          </a:p>
+        </p:txBody>
+      </p:sp>
+      <p:sp>
+        <p:nvSpPr>
+          <p:cNvPr id="15" name="矩形 14"/>
+          <p:cNvSpPr/>
+          <p:nvPr/>
+        </p:nvSpPr>
+        <p:spPr>
+          <a:xfrm>
+            <a:off x="555091" y="5010300"/>
+            <a:ext cx="1800493" cy="369332"/>
+          </a:xfrm>
+          <a:prstGeom prst="rect">
+            <a:avLst/>
+          </a:prstGeom>
+        </p:spPr>
+        <p:txBody>
+          <a:bodyPr wrap="none">
+            <a:spAutoFit/>
+          </a:bodyPr>
+          <a:lstStyle/>
+          <a:p>
+            <a:r>
+              <a:rPr lang="en-US" altLang="zh-CN" dirty="0" err="1">
+                <a:solidFill>
+                  <a:srgbClr val="333333"/>
+                </a:solidFill>
+                <a:latin typeface="Roboto"/>
+              </a:rPr>
+              <a:t>PostInitialize</a:t>
+            </a:r>
+            <a:endParaRPr lang="en-US" altLang="zh-CN" b="0" i="0" dirty="0">
+              <a:solidFill>
+                <a:srgbClr val="333333"/>
+              </a:solidFill>
+              <a:effectLst/>
+              <a:latin typeface="Roboto"/>
+            </a:endParaRPr>
+          </a:p>
+        </p:txBody>
+      </p:sp>
+      <p:sp>
+        <p:nvSpPr>
+          <p:cNvPr id="16" name="矩形 15"/>
+          <p:cNvSpPr/>
+          <p:nvPr/>
+        </p:nvSpPr>
+        <p:spPr>
+          <a:xfrm>
+            <a:off x="910196" y="5466966"/>
+            <a:ext cx="4455066" cy="369332"/>
+          </a:xfrm>
+          <a:prstGeom prst="rect">
+            <a:avLst/>
+          </a:prstGeom>
+        </p:spPr>
+        <p:txBody>
+          <a:bodyPr wrap="none">
+            <a:spAutoFit/>
+          </a:bodyPr>
+          <a:lstStyle/>
+          <a:p>
+            <a:r>
+              <a:rPr lang="en-US" altLang="zh-CN" dirty="0" smtClean="0">
+                <a:solidFill>
+                  <a:srgbClr val="333333"/>
+                </a:solidFill>
+                <a:latin typeface="Roboto"/>
+              </a:rPr>
+              <a:t>Startup</a:t>
+            </a:r>
+            <a:r>
+              <a:rPr lang="zh-CN" altLang="en-US" dirty="0" smtClean="0">
+                <a:solidFill>
+                  <a:srgbClr val="333333"/>
+                </a:solidFill>
+                <a:latin typeface="Roboto"/>
+              </a:rPr>
+              <a:t>的最后一步，可以调用依赖注入。</a:t>
+            </a:r>
+            <a:endParaRPr lang="zh-CN" altLang="en-US" dirty="0"/>
+          </a:p>
+        </p:txBody>
+      </p:sp>
+      <p:sp>
+        <p:nvSpPr>
+          <p:cNvPr id="17" name="矩形 16"/>
+          <p:cNvSpPr/>
+          <p:nvPr/>
+        </p:nvSpPr>
+        <p:spPr>
+          <a:xfrm>
+            <a:off x="592160" y="5997318"/>
+            <a:ext cx="1107996" cy="369332"/>
+          </a:xfrm>
+          <a:prstGeom prst="rect">
+            <a:avLst/>
+          </a:prstGeom>
+        </p:spPr>
+        <p:txBody>
+          <a:bodyPr wrap="none">
+            <a:spAutoFit/>
+          </a:bodyPr>
+          <a:lstStyle/>
+          <a:p>
+            <a:r>
+              <a:rPr lang="en-US" altLang="zh-CN" dirty="0">
+                <a:solidFill>
+                  <a:srgbClr val="333333"/>
+                </a:solidFill>
+                <a:latin typeface="Roboto"/>
+              </a:rPr>
+              <a:t>Shutdown</a:t>
+            </a:r>
+            <a:endParaRPr lang="en-US" altLang="zh-CN" b="0" i="0" dirty="0">
+              <a:solidFill>
+                <a:srgbClr val="333333"/>
+              </a:solidFill>
+              <a:effectLst/>
+              <a:latin typeface="Roboto"/>
+            </a:endParaRPr>
           </a:p>
         </p:txBody>
       </p:sp>
@@ -4565,6 +5073,1510 @@
     <p:extLst>
       <p:ext uri="{BB962C8B-B14F-4D97-AF65-F5344CB8AC3E}">
         <p14:creationId xmlns:p14="http://schemas.microsoft.com/office/powerpoint/2010/main" val="1493237485"/>
+      </p:ext>
+    </p:extLst>
+  </p:cSld>
+  <p:clrMapOvr>
+    <a:masterClrMapping/>
+  </p:clrMapOvr>
+</p:sld>
+</file>
+
+<file path=ppt/slides/slide7.xml><?xml version="1.0" encoding="utf-8"?>
+<p:sld xmlns:a="http://schemas.openxmlformats.org/drawingml/2006/main" xmlns:r="http://schemas.openxmlformats.org/officeDocument/2006/relationships" xmlns:p="http://schemas.openxmlformats.org/presentationml/2006/main">
+  <p:cSld>
+    <p:spTree>
+      <p:nvGrpSpPr>
+        <p:cNvPr id="1" name=""/>
+        <p:cNvGrpSpPr/>
+        <p:nvPr/>
+      </p:nvGrpSpPr>
+      <p:grpSpPr>
+        <a:xfrm>
+          <a:off x="0" y="0"/>
+          <a:ext cx="0" cy="0"/>
+          <a:chOff x="0" y="0"/>
+          <a:chExt cx="0" cy="0"/>
+        </a:xfrm>
+      </p:grpSpPr>
+      <p:sp>
+        <p:nvSpPr>
+          <p:cNvPr id="4" name="矩形 3"/>
+          <p:cNvSpPr/>
+          <p:nvPr/>
+        </p:nvSpPr>
+        <p:spPr>
+          <a:xfrm>
+            <a:off x="212384" y="228179"/>
+            <a:ext cx="3108543" cy="461665"/>
+          </a:xfrm>
+          <a:prstGeom prst="rect">
+            <a:avLst/>
+          </a:prstGeom>
+        </p:spPr>
+        <p:txBody>
+          <a:bodyPr wrap="none">
+            <a:spAutoFit/>
+          </a:bodyPr>
+          <a:lstStyle/>
+          <a:p>
+            <a:r>
+              <a:rPr lang="en-US" altLang="zh-CN" sz="2400" dirty="0">
+                <a:solidFill>
+                  <a:srgbClr val="333333"/>
+                </a:solidFill>
+                <a:latin typeface="Roboto"/>
+              </a:rPr>
+              <a:t>Module Dependencies</a:t>
+            </a:r>
+            <a:endParaRPr lang="en-US" altLang="zh-CN" sz="2400" b="0" i="0" dirty="0">
+              <a:solidFill>
+                <a:srgbClr val="333333"/>
+              </a:solidFill>
+              <a:effectLst/>
+              <a:latin typeface="Roboto"/>
+            </a:endParaRPr>
+          </a:p>
+        </p:txBody>
+      </p:sp>
+      <p:sp>
+        <p:nvSpPr>
+          <p:cNvPr id="5" name="Rectangle 1"/>
+          <p:cNvSpPr>
+            <a:spLocks noChangeArrowheads="1"/>
+          </p:cNvSpPr>
+          <p:nvPr/>
+        </p:nvSpPr>
+        <p:spPr bwMode="auto">
+          <a:xfrm>
+            <a:off x="637339" y="720621"/>
+            <a:ext cx="4820550" cy="461665"/>
+          </a:xfrm>
+          <a:prstGeom prst="rect">
+            <a:avLst/>
+          </a:prstGeom>
+          <a:solidFill>
+            <a:srgbClr val="FFFFAA"/>
+          </a:solidFill>
+          <a:ln>
+            <a:noFill/>
+          </a:ln>
+          <a:effectLst/>
+          <a:extLst>
+            <a:ext uri="{91240B29-F687-4F45-9708-019B960494DF}">
+              <a14:hiddenLine xmlns:a14="http://schemas.microsoft.com/office/drawing/2010/main" w="9525">
+                <a:solidFill>
+                  <a:schemeClr val="tx1"/>
+                </a:solidFill>
+                <a:miter lim="800000"/>
+                <a:headEnd/>
+                <a:tailEnd/>
+              </a14:hiddenLine>
+            </a:ext>
+            <a:ext uri="{AF507438-7753-43E0-B8FC-AC1667EBCBE1}">
+              <a14:hiddenEffects xmlns:a14="http://schemas.microsoft.com/office/drawing/2010/main">
+                <a:effectLst>
+                  <a:outerShdw dist="35921" dir="2700000" algn="ctr" rotWithShape="0">
+                    <a:schemeClr val="bg2"/>
+                  </a:outerShdw>
+                </a:effectLst>
+              </a14:hiddenEffects>
+            </a:ext>
+          </a:extLst>
+        </p:spPr>
+        <p:txBody>
+          <a:bodyPr vert="horz" wrap="none" lIns="91440" tIns="45720" rIns="91440" bIns="45720" numCol="1" anchor="ctr" anchorCtr="0" compatLnSpc="1">
+            <a:prstTxWarp prst="textNoShape">
+              <a:avLst/>
+            </a:prstTxWarp>
+            <a:spAutoFit/>
+          </a:bodyPr>
+          <a:lstStyle/>
+          <a:p>
+            <a:pPr marL="0" marR="0" lvl="0" indent="0" algn="l" defTabSz="914400" rtl="0" eaLnBrk="0" fontAlgn="base" latinLnBrk="0" hangingPunct="0">
+              <a:lnSpc>
+                <a:spcPct val="100000"/>
+              </a:lnSpc>
+              <a:spcBef>
+                <a:spcPct val="0"/>
+              </a:spcBef>
+              <a:spcAft>
+                <a:spcPct val="0"/>
+              </a:spcAft>
+              <a:buClrTx/>
+              <a:buSzTx/>
+              <a:buFontTx/>
+              <a:buNone/>
+              <a:tabLst/>
+            </a:pPr>
+            <a:r>
+              <a:rPr kumimoji="0" lang="cs-CZ" altLang="zh-CN" sz="1600" b="1" i="0" u="none" strike="noStrike" cap="none" normalizeH="0" baseline="0" smtClean="0">
+                <a:ln>
+                  <a:noFill/>
+                </a:ln>
+                <a:solidFill>
+                  <a:srgbClr val="000000"/>
+                </a:solidFill>
+                <a:effectLst/>
+                <a:latin typeface="Courier New" panose="02070309020205020404" pitchFamily="49" charset="0"/>
+                <a:cs typeface="Courier New" panose="02070309020205020404" pitchFamily="49" charset="0"/>
+              </a:rPr>
+              <a:t>[DependsOn(</a:t>
+            </a:r>
+            <a:r>
+              <a:rPr kumimoji="0" lang="cs-CZ" altLang="zh-CN" sz="1600" b="1" i="0" u="none" strike="noStrike" cap="none" normalizeH="0" baseline="0" smtClean="0">
+                <a:ln>
+                  <a:noFill/>
+                </a:ln>
+                <a:solidFill>
+                  <a:srgbClr val="0000FF"/>
+                </a:solidFill>
+                <a:effectLst/>
+                <a:latin typeface="Courier New" panose="02070309020205020404" pitchFamily="49" charset="0"/>
+                <a:cs typeface="Courier New" panose="02070309020205020404" pitchFamily="49" charset="0"/>
+              </a:rPr>
+              <a:t>typeof</a:t>
+            </a:r>
+            <a:r>
+              <a:rPr kumimoji="0" lang="cs-CZ" altLang="zh-CN" sz="1600" b="1" i="0" u="none" strike="noStrike" cap="none" normalizeH="0" baseline="0" smtClean="0">
+                <a:ln>
+                  <a:noFill/>
+                </a:ln>
+                <a:solidFill>
+                  <a:srgbClr val="000000"/>
+                </a:solidFill>
+                <a:effectLst/>
+                <a:latin typeface="Courier New" panose="02070309020205020404" pitchFamily="49" charset="0"/>
+                <a:cs typeface="Courier New" panose="02070309020205020404" pitchFamily="49" charset="0"/>
+              </a:rPr>
+              <a:t>(MyBlogCoreModule))]</a:t>
+            </a:r>
+            <a:r>
+              <a:rPr kumimoji="0" lang="cs-CZ" altLang="zh-CN" sz="2400" b="0" i="0" u="none" strike="noStrike" cap="none" normalizeH="0" baseline="0" smtClean="0">
+                <a:ln>
+                  <a:noFill/>
+                </a:ln>
+                <a:solidFill>
+                  <a:schemeClr val="tx1"/>
+                </a:solidFill>
+                <a:effectLst/>
+              </a:rPr>
+              <a:t> </a:t>
+            </a:r>
+            <a:endParaRPr kumimoji="0" lang="cs-CZ" altLang="zh-CN" sz="4000" b="0" i="0" u="none" strike="noStrike" cap="none" normalizeH="0" baseline="0" smtClean="0">
+              <a:ln>
+                <a:noFill/>
+              </a:ln>
+              <a:solidFill>
+                <a:schemeClr val="tx1"/>
+              </a:solidFill>
+              <a:effectLst/>
+              <a:latin typeface="Arial" panose="020B0604020202020204" pitchFamily="34" charset="0"/>
+            </a:endParaRPr>
+          </a:p>
+        </p:txBody>
+      </p:sp>
+      <p:sp>
+        <p:nvSpPr>
+          <p:cNvPr id="6" name="矩形 5"/>
+          <p:cNvSpPr/>
+          <p:nvPr/>
+        </p:nvSpPr>
+        <p:spPr>
+          <a:xfrm>
+            <a:off x="212384" y="1388238"/>
+            <a:ext cx="2339102" cy="461665"/>
+          </a:xfrm>
+          <a:prstGeom prst="rect">
+            <a:avLst/>
+          </a:prstGeom>
+        </p:spPr>
+        <p:txBody>
+          <a:bodyPr wrap="none">
+            <a:spAutoFit/>
+          </a:bodyPr>
+          <a:lstStyle/>
+          <a:p>
+            <a:r>
+              <a:rPr lang="en-US" altLang="zh-CN" sz="2400" dirty="0" err="1">
+                <a:solidFill>
+                  <a:srgbClr val="333333"/>
+                </a:solidFill>
+                <a:latin typeface="Roboto"/>
+              </a:rPr>
+              <a:t>PlugIn</a:t>
+            </a:r>
+            <a:r>
+              <a:rPr lang="en-US" altLang="zh-CN" sz="2400" dirty="0">
+                <a:solidFill>
+                  <a:srgbClr val="333333"/>
+                </a:solidFill>
+                <a:latin typeface="Roboto"/>
+              </a:rPr>
+              <a:t> Modules</a:t>
+            </a:r>
+          </a:p>
+        </p:txBody>
+      </p:sp>
+      <p:sp>
+        <p:nvSpPr>
+          <p:cNvPr id="7" name="矩形 6"/>
+          <p:cNvSpPr/>
+          <p:nvPr/>
+        </p:nvSpPr>
+        <p:spPr>
+          <a:xfrm>
+            <a:off x="212384" y="2055855"/>
+            <a:ext cx="3416320" cy="461665"/>
+          </a:xfrm>
+          <a:prstGeom prst="rect">
+            <a:avLst/>
+          </a:prstGeom>
+        </p:spPr>
+        <p:txBody>
+          <a:bodyPr wrap="none">
+            <a:spAutoFit/>
+          </a:bodyPr>
+          <a:lstStyle/>
+          <a:p>
+            <a:r>
+              <a:rPr lang="en-US" altLang="zh-CN" sz="2400" dirty="0">
+                <a:solidFill>
+                  <a:srgbClr val="333333"/>
+                </a:solidFill>
+                <a:latin typeface="Roboto"/>
+              </a:rPr>
+              <a:t>Custom Module Methods</a:t>
+            </a:r>
+          </a:p>
+        </p:txBody>
+      </p:sp>
+    </p:spTree>
+    <p:extLst>
+      <p:ext uri="{BB962C8B-B14F-4D97-AF65-F5344CB8AC3E}">
+        <p14:creationId xmlns:p14="http://schemas.microsoft.com/office/powerpoint/2010/main" val="425028461"/>
+      </p:ext>
+    </p:extLst>
+  </p:cSld>
+  <p:clrMapOvr>
+    <a:masterClrMapping/>
+  </p:clrMapOvr>
+</p:sld>
+</file>
+
+<file path=ppt/slides/slide8.xml><?xml version="1.0" encoding="utf-8"?>
+<p:sld xmlns:a="http://schemas.openxmlformats.org/drawingml/2006/main" xmlns:r="http://schemas.openxmlformats.org/officeDocument/2006/relationships" xmlns:p="http://schemas.openxmlformats.org/presentationml/2006/main">
+  <p:cSld>
+    <p:spTree>
+      <p:nvGrpSpPr>
+        <p:cNvPr id="1" name=""/>
+        <p:cNvGrpSpPr/>
+        <p:nvPr/>
+      </p:nvGrpSpPr>
+      <p:grpSpPr>
+        <a:xfrm>
+          <a:off x="0" y="0"/>
+          <a:ext cx="0" cy="0"/>
+          <a:chOff x="0" y="0"/>
+          <a:chExt cx="0" cy="0"/>
+        </a:xfrm>
+      </p:grpSpPr>
+      <p:sp>
+        <p:nvSpPr>
+          <p:cNvPr id="4" name="矩形 3"/>
+          <p:cNvSpPr/>
+          <p:nvPr/>
+        </p:nvSpPr>
+        <p:spPr>
+          <a:xfrm>
+            <a:off x="476744" y="214531"/>
+            <a:ext cx="3783023" cy="584775"/>
+          </a:xfrm>
+          <a:prstGeom prst="rect">
+            <a:avLst/>
+          </a:prstGeom>
+        </p:spPr>
+        <p:txBody>
+          <a:bodyPr wrap="none">
+            <a:spAutoFit/>
+          </a:bodyPr>
+          <a:lstStyle/>
+          <a:p>
+            <a:r>
+              <a:rPr lang="en-US" altLang="zh-CN" sz="3200" dirty="0" smtClean="0"/>
+              <a:t>Startup Configuration</a:t>
+            </a:r>
+            <a:endParaRPr lang="en-US" altLang="zh-CN" sz="3200" dirty="0"/>
+          </a:p>
+        </p:txBody>
+      </p:sp>
+      <p:sp>
+        <p:nvSpPr>
+          <p:cNvPr id="5" name="矩形 4"/>
+          <p:cNvSpPr/>
+          <p:nvPr/>
+        </p:nvSpPr>
+        <p:spPr>
+          <a:xfrm>
+            <a:off x="952902" y="2616538"/>
+            <a:ext cx="3762568" cy="369332"/>
+          </a:xfrm>
+          <a:prstGeom prst="rect">
+            <a:avLst/>
+          </a:prstGeom>
+        </p:spPr>
+        <p:txBody>
+          <a:bodyPr wrap="none">
+            <a:spAutoFit/>
+          </a:bodyPr>
+          <a:lstStyle/>
+          <a:p>
+            <a:r>
+              <a:rPr lang="en-US" altLang="zh-CN" dirty="0">
+                <a:solidFill>
+                  <a:srgbClr val="333333"/>
+                </a:solidFill>
+                <a:latin typeface="Roboto"/>
+              </a:rPr>
+              <a:t>Configuring ASP.NET Boilerplate</a:t>
+            </a:r>
+            <a:endParaRPr lang="en-US" altLang="zh-CN" b="0" i="0" dirty="0">
+              <a:solidFill>
+                <a:srgbClr val="333333"/>
+              </a:solidFill>
+              <a:effectLst/>
+              <a:latin typeface="Roboto"/>
+            </a:endParaRPr>
+          </a:p>
+        </p:txBody>
+      </p:sp>
+      <p:sp>
+        <p:nvSpPr>
+          <p:cNvPr id="6" name="矩形 5"/>
+          <p:cNvSpPr/>
+          <p:nvPr/>
+        </p:nvSpPr>
+        <p:spPr>
+          <a:xfrm>
+            <a:off x="952902" y="3165370"/>
+            <a:ext cx="3300904" cy="369332"/>
+          </a:xfrm>
+          <a:prstGeom prst="rect">
+            <a:avLst/>
+          </a:prstGeom>
+        </p:spPr>
+        <p:txBody>
+          <a:bodyPr wrap="none">
+            <a:spAutoFit/>
+          </a:bodyPr>
+          <a:lstStyle/>
+          <a:p>
+            <a:r>
+              <a:rPr lang="en-US" altLang="zh-CN" dirty="0">
+                <a:solidFill>
+                  <a:srgbClr val="333333"/>
+                </a:solidFill>
+                <a:latin typeface="Roboto"/>
+              </a:rPr>
+              <a:t>Replacing Built-In Services</a:t>
+            </a:r>
+            <a:endParaRPr lang="en-US" altLang="zh-CN" b="0" i="0" dirty="0">
+              <a:solidFill>
+                <a:srgbClr val="333333"/>
+              </a:solidFill>
+              <a:effectLst/>
+              <a:latin typeface="Roboto"/>
+            </a:endParaRPr>
+          </a:p>
+        </p:txBody>
+      </p:sp>
+      <p:sp>
+        <p:nvSpPr>
+          <p:cNvPr id="7" name="Rectangle 1"/>
+          <p:cNvSpPr>
+            <a:spLocks noChangeArrowheads="1"/>
+          </p:cNvSpPr>
+          <p:nvPr/>
+        </p:nvSpPr>
+        <p:spPr bwMode="auto">
+          <a:xfrm>
+            <a:off x="1269242" y="3534702"/>
+            <a:ext cx="10621819" cy="461665"/>
+          </a:xfrm>
+          <a:prstGeom prst="rect">
+            <a:avLst/>
+          </a:prstGeom>
+          <a:solidFill>
+            <a:srgbClr val="FFFFAA"/>
+          </a:solidFill>
+          <a:ln>
+            <a:noFill/>
+          </a:ln>
+          <a:effectLst/>
+          <a:extLst>
+            <a:ext uri="{91240B29-F687-4F45-9708-019B960494DF}">
+              <a14:hiddenLine xmlns:a14="http://schemas.microsoft.com/office/drawing/2010/main" w="9525">
+                <a:solidFill>
+                  <a:schemeClr val="tx1"/>
+                </a:solidFill>
+                <a:miter lim="800000"/>
+                <a:headEnd/>
+                <a:tailEnd/>
+              </a14:hiddenLine>
+            </a:ext>
+            <a:ext uri="{AF507438-7753-43E0-B8FC-AC1667EBCBE1}">
+              <a14:hiddenEffects xmlns:a14="http://schemas.microsoft.com/office/drawing/2010/main">
+                <a:effectLst>
+                  <a:outerShdw dist="35921" dir="2700000" algn="ctr" rotWithShape="0">
+                    <a:schemeClr val="bg2"/>
+                  </a:outerShdw>
+                </a:effectLst>
+              </a14:hiddenEffects>
+            </a:ext>
+          </a:extLst>
+        </p:spPr>
+        <p:txBody>
+          <a:bodyPr vert="horz" wrap="none" lIns="91440" tIns="45720" rIns="91440" bIns="45720" numCol="1" anchor="ctr" anchorCtr="0" compatLnSpc="1">
+            <a:prstTxWarp prst="textNoShape">
+              <a:avLst/>
+            </a:prstTxWarp>
+            <a:spAutoFit/>
+          </a:bodyPr>
+          <a:lstStyle/>
+          <a:p>
+            <a:pPr marL="0" marR="0" lvl="0" indent="0" algn="l" defTabSz="914400" rtl="0" eaLnBrk="0" fontAlgn="base" latinLnBrk="0" hangingPunct="0">
+              <a:lnSpc>
+                <a:spcPct val="100000"/>
+              </a:lnSpc>
+              <a:spcBef>
+                <a:spcPct val="0"/>
+              </a:spcBef>
+              <a:spcAft>
+                <a:spcPct val="0"/>
+              </a:spcAft>
+              <a:buClrTx/>
+              <a:buSzTx/>
+              <a:buFontTx/>
+              <a:buNone/>
+              <a:tabLst/>
+            </a:pPr>
+            <a:r>
+              <a:rPr kumimoji="0" lang="cs-CZ" altLang="zh-CN" sz="1600" b="1" i="0" u="none" strike="noStrike" cap="none" normalizeH="0" baseline="0" smtClean="0">
+                <a:ln>
+                  <a:noFill/>
+                </a:ln>
+                <a:solidFill>
+                  <a:srgbClr val="000000"/>
+                </a:solidFill>
+                <a:effectLst/>
+                <a:latin typeface="Courier New" panose="02070309020205020404" pitchFamily="49" charset="0"/>
+                <a:cs typeface="Courier New" panose="02070309020205020404" pitchFamily="49" charset="0"/>
+              </a:rPr>
+              <a:t>Configuration.ReplaceService</a:t>
+            </a:r>
+            <a:r>
+              <a:rPr kumimoji="0" lang="cs-CZ" altLang="zh-CN" sz="1600" b="0" i="0" u="none" strike="noStrike" cap="none" normalizeH="0" baseline="0" smtClean="0">
+                <a:ln>
+                  <a:noFill/>
+                </a:ln>
+                <a:solidFill>
+                  <a:srgbClr val="0000FF"/>
+                </a:solidFill>
+                <a:effectLst/>
+                <a:latin typeface="Courier New" panose="02070309020205020404" pitchFamily="49" charset="0"/>
+                <a:cs typeface="Courier New" panose="02070309020205020404" pitchFamily="49" charset="0"/>
+              </a:rPr>
+              <a:t>&lt;</a:t>
+            </a:r>
+            <a:r>
+              <a:rPr kumimoji="0" lang="cs-CZ" altLang="zh-CN" sz="1600" b="0" i="0" u="none" strike="noStrike" cap="none" normalizeH="0" baseline="0" smtClean="0">
+                <a:ln>
+                  <a:noFill/>
+                </a:ln>
+                <a:solidFill>
+                  <a:srgbClr val="A31515"/>
+                </a:solidFill>
+                <a:effectLst/>
+                <a:latin typeface="Courier New" panose="02070309020205020404" pitchFamily="49" charset="0"/>
+                <a:cs typeface="Courier New" panose="02070309020205020404" pitchFamily="49" charset="0"/>
+              </a:rPr>
+              <a:t>IAbpSession,</a:t>
+            </a:r>
+            <a:r>
+              <a:rPr kumimoji="0" lang="cs-CZ" altLang="zh-CN" sz="1600" b="0" i="0" u="none" strike="noStrike" cap="none" normalizeH="0" baseline="0" smtClean="0">
+                <a:ln>
+                  <a:noFill/>
+                </a:ln>
+                <a:solidFill>
+                  <a:srgbClr val="0000FF"/>
+                </a:solidFill>
+                <a:effectLst/>
+                <a:latin typeface="Courier New" panose="02070309020205020404" pitchFamily="49" charset="0"/>
+                <a:cs typeface="Courier New" panose="02070309020205020404" pitchFamily="49" charset="0"/>
+              </a:rPr>
+              <a:t> </a:t>
+            </a:r>
+            <a:r>
+              <a:rPr kumimoji="0" lang="cs-CZ" altLang="zh-CN" sz="1600" b="0" i="0" u="none" strike="noStrike" cap="none" normalizeH="0" baseline="0" smtClean="0">
+                <a:ln>
+                  <a:noFill/>
+                </a:ln>
+                <a:solidFill>
+                  <a:srgbClr val="FF0000"/>
+                </a:solidFill>
+                <a:effectLst/>
+                <a:latin typeface="Courier New" panose="02070309020205020404" pitchFamily="49" charset="0"/>
+                <a:cs typeface="Courier New" panose="02070309020205020404" pitchFamily="49" charset="0"/>
+              </a:rPr>
+              <a:t>MySession</a:t>
+            </a:r>
+            <a:r>
+              <a:rPr kumimoji="0" lang="cs-CZ" altLang="zh-CN" sz="1600" b="0" i="0" u="none" strike="noStrike" cap="none" normalizeH="0" baseline="0" smtClean="0">
+                <a:ln>
+                  <a:noFill/>
+                </a:ln>
+                <a:solidFill>
+                  <a:srgbClr val="0000FF"/>
+                </a:solidFill>
+                <a:effectLst/>
+                <a:latin typeface="Courier New" panose="02070309020205020404" pitchFamily="49" charset="0"/>
+                <a:cs typeface="Courier New" panose="02070309020205020404" pitchFamily="49" charset="0"/>
+              </a:rPr>
+              <a:t>&gt;</a:t>
+            </a:r>
+            <a:r>
+              <a:rPr kumimoji="0" lang="cs-CZ" altLang="zh-CN" sz="1600" b="0" i="0" u="none" strike="noStrike" cap="none" normalizeH="0" baseline="0" smtClean="0">
+                <a:ln>
+                  <a:noFill/>
+                </a:ln>
+                <a:solidFill>
+                  <a:srgbClr val="000000"/>
+                </a:solidFill>
+                <a:effectLst/>
+                <a:latin typeface="Courier New" panose="02070309020205020404" pitchFamily="49" charset="0"/>
+                <a:cs typeface="Courier New" panose="02070309020205020404" pitchFamily="49" charset="0"/>
+              </a:rPr>
+              <a:t>(DependencyLifeStyle.Transient);</a:t>
+            </a:r>
+            <a:r>
+              <a:rPr kumimoji="0" lang="cs-CZ" altLang="zh-CN" sz="2400" b="0" i="0" u="none" strike="noStrike" cap="none" normalizeH="0" baseline="0" smtClean="0">
+                <a:ln>
+                  <a:noFill/>
+                </a:ln>
+                <a:solidFill>
+                  <a:schemeClr val="tx1"/>
+                </a:solidFill>
+                <a:effectLst/>
+              </a:rPr>
+              <a:t> </a:t>
+            </a:r>
+            <a:endParaRPr kumimoji="0" lang="cs-CZ" altLang="zh-CN" sz="4000" b="0" i="0" u="none" strike="noStrike" cap="none" normalizeH="0" baseline="0" smtClean="0">
+              <a:ln>
+                <a:noFill/>
+              </a:ln>
+              <a:solidFill>
+                <a:schemeClr val="tx1"/>
+              </a:solidFill>
+              <a:effectLst/>
+              <a:latin typeface="Arial" panose="020B0604020202020204" pitchFamily="34" charset="0"/>
+            </a:endParaRPr>
+          </a:p>
+        </p:txBody>
+      </p:sp>
+      <p:sp>
+        <p:nvSpPr>
+          <p:cNvPr id="8" name="矩形 7"/>
+          <p:cNvSpPr/>
+          <p:nvPr/>
+        </p:nvSpPr>
+        <p:spPr>
+          <a:xfrm>
+            <a:off x="952902" y="4181033"/>
+            <a:ext cx="2377574" cy="369332"/>
+          </a:xfrm>
+          <a:prstGeom prst="rect">
+            <a:avLst/>
+          </a:prstGeom>
+        </p:spPr>
+        <p:txBody>
+          <a:bodyPr wrap="none">
+            <a:spAutoFit/>
+          </a:bodyPr>
+          <a:lstStyle/>
+          <a:p>
+            <a:r>
+              <a:rPr lang="en-US" altLang="zh-CN" dirty="0">
+                <a:solidFill>
+                  <a:srgbClr val="333333"/>
+                </a:solidFill>
+                <a:latin typeface="Roboto"/>
+              </a:rPr>
+              <a:t>Configuring Modules</a:t>
+            </a:r>
+            <a:endParaRPr lang="en-US" altLang="zh-CN" b="0" i="0" dirty="0">
+              <a:solidFill>
+                <a:srgbClr val="333333"/>
+              </a:solidFill>
+              <a:effectLst/>
+              <a:latin typeface="Roboto"/>
+            </a:endParaRPr>
+          </a:p>
+        </p:txBody>
+      </p:sp>
+      <p:sp>
+        <p:nvSpPr>
+          <p:cNvPr id="18" name="Rectangle 2"/>
+          <p:cNvSpPr>
+            <a:spLocks noChangeArrowheads="1"/>
+          </p:cNvSpPr>
+          <p:nvPr/>
+        </p:nvSpPr>
+        <p:spPr bwMode="auto">
+          <a:xfrm>
+            <a:off x="1269242" y="4609690"/>
+            <a:ext cx="10054355" cy="523220"/>
+          </a:xfrm>
+          <a:prstGeom prst="rect">
+            <a:avLst/>
+          </a:prstGeom>
+          <a:solidFill>
+            <a:srgbClr val="FFFFFF"/>
+          </a:solidFill>
+          <a:ln>
+            <a:noFill/>
+          </a:ln>
+          <a:effectLst/>
+          <a:extLst>
+            <a:ext uri="{91240B29-F687-4F45-9708-019B960494DF}">
+              <a14:hiddenLine xmlns:a14="http://schemas.microsoft.com/office/drawing/2010/main" w="9525">
+                <a:solidFill>
+                  <a:schemeClr val="tx1"/>
+                </a:solidFill>
+                <a:miter lim="800000"/>
+                <a:headEnd/>
+                <a:tailEnd/>
+              </a14:hiddenLine>
+            </a:ext>
+            <a:ext uri="{AF507438-7753-43E0-B8FC-AC1667EBCBE1}">
+              <a14:hiddenEffects xmlns:a14="http://schemas.microsoft.com/office/drawing/2010/main">
+                <a:effectLst>
+                  <a:outerShdw dist="35921" dir="2700000" algn="ctr" rotWithShape="0">
+                    <a:schemeClr val="bg2"/>
+                  </a:outerShdw>
+                </a:effectLst>
+              </a14:hiddenEffects>
+            </a:ext>
+          </a:extLst>
+        </p:spPr>
+        <p:txBody>
+          <a:bodyPr vert="horz" wrap="none" lIns="91440" tIns="45720" rIns="91440" bIns="45720" numCol="1" anchor="ctr" anchorCtr="0" compatLnSpc="1">
+            <a:prstTxWarp prst="textNoShape">
+              <a:avLst/>
+            </a:prstTxWarp>
+            <a:spAutoFit/>
+          </a:bodyPr>
+          <a:lstStyle/>
+          <a:p>
+            <a:pPr marL="0" marR="0" lvl="0" indent="0" algn="l" defTabSz="914400" rtl="0" eaLnBrk="0" fontAlgn="base" latinLnBrk="0" hangingPunct="0">
+              <a:lnSpc>
+                <a:spcPct val="100000"/>
+              </a:lnSpc>
+              <a:spcBef>
+                <a:spcPct val="0"/>
+              </a:spcBef>
+              <a:spcAft>
+                <a:spcPct val="0"/>
+              </a:spcAft>
+              <a:buClrTx/>
+              <a:buSzTx/>
+              <a:buFontTx/>
+              <a:buNone/>
+              <a:tabLst/>
+            </a:pPr>
+            <a:r>
+              <a:rPr kumimoji="0" lang="zh-CN" altLang="zh-CN" b="0" i="0" u="none" strike="noStrike" cap="none" normalizeH="0" baseline="0" smtClean="0">
+                <a:ln>
+                  <a:noFill/>
+                </a:ln>
+                <a:solidFill>
+                  <a:srgbClr val="000000"/>
+                </a:solidFill>
+                <a:effectLst/>
+                <a:latin typeface="Courier New" panose="02070309020205020404" pitchFamily="49" charset="0"/>
+                <a:cs typeface="Courier New" panose="02070309020205020404" pitchFamily="49" charset="0"/>
+              </a:rPr>
+              <a:t>Configuration.Modules.AbpWebCommon().SendAllExceptionsToClients = </a:t>
+            </a:r>
+            <a:r>
+              <a:rPr kumimoji="0" lang="zh-CN" altLang="zh-CN" b="0" i="0" u="none" strike="noStrike" cap="none" normalizeH="0" baseline="0" smtClean="0">
+                <a:ln>
+                  <a:noFill/>
+                </a:ln>
+                <a:solidFill>
+                  <a:srgbClr val="0000FF"/>
+                </a:solidFill>
+                <a:effectLst/>
+                <a:latin typeface="Courier New" panose="02070309020205020404" pitchFamily="49" charset="0"/>
+                <a:cs typeface="Courier New" panose="02070309020205020404" pitchFamily="49" charset="0"/>
+              </a:rPr>
+              <a:t>true</a:t>
+            </a:r>
+            <a:r>
+              <a:rPr kumimoji="0" lang="zh-CN" altLang="zh-CN" b="0" i="0" u="none" strike="noStrike" cap="none" normalizeH="0" baseline="0" smtClean="0">
+                <a:ln>
+                  <a:noFill/>
+                </a:ln>
+                <a:solidFill>
+                  <a:srgbClr val="000000"/>
+                </a:solidFill>
+                <a:effectLst/>
+                <a:latin typeface="Courier New" panose="02070309020205020404" pitchFamily="49" charset="0"/>
+                <a:cs typeface="Courier New" panose="02070309020205020404" pitchFamily="49" charset="0"/>
+              </a:rPr>
+              <a:t>;</a:t>
+            </a:r>
+            <a:r>
+              <a:rPr kumimoji="0" lang="zh-CN" altLang="zh-CN" sz="2800" b="0" i="0" u="none" strike="noStrike" cap="none" normalizeH="0" baseline="0" smtClean="0">
+                <a:ln>
+                  <a:noFill/>
+                </a:ln>
+                <a:solidFill>
+                  <a:schemeClr val="tx1"/>
+                </a:solidFill>
+                <a:effectLst/>
+              </a:rPr>
+              <a:t> </a:t>
+            </a:r>
+            <a:endParaRPr kumimoji="0" lang="zh-CN" altLang="zh-CN" sz="4400" b="0" i="0" u="none" strike="noStrike" cap="none" normalizeH="0" baseline="0" smtClean="0">
+              <a:ln>
+                <a:noFill/>
+              </a:ln>
+              <a:solidFill>
+                <a:schemeClr val="tx1"/>
+              </a:solidFill>
+              <a:effectLst/>
+              <a:latin typeface="Arial" panose="020B0604020202020204" pitchFamily="34" charset="0"/>
+            </a:endParaRPr>
+          </a:p>
+        </p:txBody>
+      </p:sp>
+      <p:sp>
+        <p:nvSpPr>
+          <p:cNvPr id="19" name="矩形 18"/>
+          <p:cNvSpPr/>
+          <p:nvPr/>
+        </p:nvSpPr>
+        <p:spPr>
+          <a:xfrm>
+            <a:off x="952902" y="5192235"/>
+            <a:ext cx="4224233" cy="369332"/>
+          </a:xfrm>
+          <a:prstGeom prst="rect">
+            <a:avLst/>
+          </a:prstGeom>
+        </p:spPr>
+        <p:txBody>
+          <a:bodyPr wrap="none">
+            <a:spAutoFit/>
+          </a:bodyPr>
+          <a:lstStyle/>
+          <a:p>
+            <a:r>
+              <a:rPr lang="en-US" altLang="zh-CN" dirty="0">
+                <a:solidFill>
+                  <a:srgbClr val="333333"/>
+                </a:solidFill>
+                <a:latin typeface="Roboto"/>
+              </a:rPr>
+              <a:t>Creating Configuration For a Module</a:t>
+            </a:r>
+            <a:endParaRPr lang="en-US" altLang="zh-CN" b="0" i="0" dirty="0">
+              <a:solidFill>
+                <a:srgbClr val="333333"/>
+              </a:solidFill>
+              <a:effectLst/>
+              <a:latin typeface="Roboto"/>
+            </a:endParaRPr>
+          </a:p>
+        </p:txBody>
+      </p:sp>
+      <p:sp>
+        <p:nvSpPr>
+          <p:cNvPr id="20" name="Rectangle 3"/>
+          <p:cNvSpPr>
+            <a:spLocks noChangeArrowheads="1"/>
+          </p:cNvSpPr>
+          <p:nvPr/>
+        </p:nvSpPr>
+        <p:spPr bwMode="auto">
+          <a:xfrm>
+            <a:off x="1419514" y="5774780"/>
+            <a:ext cx="9110186" cy="800219"/>
+          </a:xfrm>
+          <a:prstGeom prst="rect">
+            <a:avLst/>
+          </a:prstGeom>
+          <a:solidFill>
+            <a:srgbClr val="FFFFAA"/>
+          </a:solidFill>
+          <a:ln>
+            <a:noFill/>
+          </a:ln>
+          <a:effectLst/>
+          <a:extLst>
+            <a:ext uri="{91240B29-F687-4F45-9708-019B960494DF}">
+              <a14:hiddenLine xmlns:a14="http://schemas.microsoft.com/office/drawing/2010/main" w="9525">
+                <a:solidFill>
+                  <a:schemeClr val="tx1"/>
+                </a:solidFill>
+                <a:miter lim="800000"/>
+                <a:headEnd/>
+                <a:tailEnd/>
+              </a14:hiddenLine>
+            </a:ext>
+            <a:ext uri="{AF507438-7753-43E0-B8FC-AC1667EBCBE1}">
+              <a14:hiddenEffects xmlns:a14="http://schemas.microsoft.com/office/drawing/2010/main">
+                <a:effectLst>
+                  <a:outerShdw dist="35921" dir="2700000" algn="ctr" rotWithShape="0">
+                    <a:schemeClr val="bg2"/>
+                  </a:outerShdw>
+                </a:effectLst>
+              </a14:hiddenEffects>
+            </a:ext>
+          </a:extLst>
+        </p:spPr>
+        <p:txBody>
+          <a:bodyPr vert="horz" wrap="none" lIns="91440" tIns="45720" rIns="91440" bIns="45720" numCol="1" anchor="ctr" anchorCtr="0" compatLnSpc="1">
+            <a:prstTxWarp prst="textNoShape">
+              <a:avLst/>
+            </a:prstTxWarp>
+            <a:spAutoFit/>
+          </a:bodyPr>
+          <a:lstStyle>
+            <a:lvl1pPr eaLnBrk="0" fontAlgn="base" hangingPunct="0">
+              <a:spcBef>
+                <a:spcPct val="0"/>
+              </a:spcBef>
+              <a:spcAft>
+                <a:spcPct val="0"/>
+              </a:spcAft>
+              <a:defRPr>
+                <a:solidFill>
+                  <a:schemeClr val="tx1"/>
+                </a:solidFill>
+                <a:latin typeface="Arial" panose="020B0604020202020204" pitchFamily="34" charset="0"/>
+              </a:defRPr>
+            </a:lvl1pPr>
+            <a:lvl2pPr eaLnBrk="0" fontAlgn="base" hangingPunct="0">
+              <a:spcBef>
+                <a:spcPct val="0"/>
+              </a:spcBef>
+              <a:spcAft>
+                <a:spcPct val="0"/>
+              </a:spcAft>
+              <a:defRPr>
+                <a:solidFill>
+                  <a:schemeClr val="tx1"/>
+                </a:solidFill>
+                <a:latin typeface="Arial" panose="020B0604020202020204" pitchFamily="34" charset="0"/>
+              </a:defRPr>
+            </a:lvl2pPr>
+            <a:lvl3pPr eaLnBrk="0" fontAlgn="base" hangingPunct="0">
+              <a:spcBef>
+                <a:spcPct val="0"/>
+              </a:spcBef>
+              <a:spcAft>
+                <a:spcPct val="0"/>
+              </a:spcAft>
+              <a:defRPr>
+                <a:solidFill>
+                  <a:schemeClr val="tx1"/>
+                </a:solidFill>
+                <a:latin typeface="Arial" panose="020B0604020202020204" pitchFamily="34" charset="0"/>
+              </a:defRPr>
+            </a:lvl3pPr>
+            <a:lvl4pPr eaLnBrk="0" fontAlgn="base" hangingPunct="0">
+              <a:spcBef>
+                <a:spcPct val="0"/>
+              </a:spcBef>
+              <a:spcAft>
+                <a:spcPct val="0"/>
+              </a:spcAft>
+              <a:defRPr>
+                <a:solidFill>
+                  <a:schemeClr val="tx1"/>
+                </a:solidFill>
+                <a:latin typeface="Arial" panose="020B0604020202020204" pitchFamily="34" charset="0"/>
+              </a:defRPr>
+            </a:lvl4pPr>
+            <a:lvl5pPr eaLnBrk="0" fontAlgn="base" hangingPunct="0">
+              <a:spcBef>
+                <a:spcPct val="0"/>
+              </a:spcBef>
+              <a:spcAft>
+                <a:spcPct val="0"/>
+              </a:spcAft>
+              <a:defRPr>
+                <a:solidFill>
+                  <a:schemeClr val="tx1"/>
+                </a:solidFill>
+                <a:latin typeface="Arial" panose="020B0604020202020204" pitchFamily="34" charset="0"/>
+              </a:defRPr>
+            </a:lvl5pPr>
+            <a:lvl6pPr eaLnBrk="0" fontAlgn="base" hangingPunct="0">
+              <a:spcBef>
+                <a:spcPct val="0"/>
+              </a:spcBef>
+              <a:spcAft>
+                <a:spcPct val="0"/>
+              </a:spcAft>
+              <a:defRPr>
+                <a:solidFill>
+                  <a:schemeClr val="tx1"/>
+                </a:solidFill>
+                <a:latin typeface="Arial" panose="020B0604020202020204" pitchFamily="34" charset="0"/>
+              </a:defRPr>
+            </a:lvl6pPr>
+            <a:lvl7pPr eaLnBrk="0" fontAlgn="base" hangingPunct="0">
+              <a:spcBef>
+                <a:spcPct val="0"/>
+              </a:spcBef>
+              <a:spcAft>
+                <a:spcPct val="0"/>
+              </a:spcAft>
+              <a:defRPr>
+                <a:solidFill>
+                  <a:schemeClr val="tx1"/>
+                </a:solidFill>
+                <a:latin typeface="Arial" panose="020B0604020202020204" pitchFamily="34" charset="0"/>
+              </a:defRPr>
+            </a:lvl7pPr>
+            <a:lvl8pPr eaLnBrk="0" fontAlgn="base" hangingPunct="0">
+              <a:spcBef>
+                <a:spcPct val="0"/>
+              </a:spcBef>
+              <a:spcAft>
+                <a:spcPct val="0"/>
+              </a:spcAft>
+              <a:defRPr>
+                <a:solidFill>
+                  <a:schemeClr val="tx1"/>
+                </a:solidFill>
+                <a:latin typeface="Arial" panose="020B0604020202020204" pitchFamily="34" charset="0"/>
+              </a:defRPr>
+            </a:lvl8pPr>
+            <a:lvl9pPr eaLnBrk="0" fontAlgn="base" hangingPunct="0">
+              <a:spcBef>
+                <a:spcPct val="0"/>
+              </a:spcBef>
+              <a:spcAft>
+                <a:spcPct val="0"/>
+              </a:spcAft>
+              <a:defRPr>
+                <a:solidFill>
+                  <a:schemeClr val="tx1"/>
+                </a:solidFill>
+                <a:latin typeface="Arial" panose="020B0604020202020204" pitchFamily="34" charset="0"/>
+              </a:defRPr>
+            </a:lvl9pPr>
+          </a:lstStyle>
+          <a:p>
+            <a:pPr marL="0" marR="0" lvl="0" indent="0" algn="l" defTabSz="914400" rtl="0" eaLnBrk="0" fontAlgn="base" latinLnBrk="0" hangingPunct="0">
+              <a:lnSpc>
+                <a:spcPct val="100000"/>
+              </a:lnSpc>
+              <a:spcBef>
+                <a:spcPct val="0"/>
+              </a:spcBef>
+              <a:spcAft>
+                <a:spcPct val="0"/>
+              </a:spcAft>
+              <a:buClrTx/>
+              <a:buSzTx/>
+              <a:buFontTx/>
+              <a:buNone/>
+              <a:tabLst/>
+            </a:pPr>
+            <a:r>
+              <a:rPr kumimoji="0" lang="zh-CN" altLang="en-US" b="0" i="0" u="none" strike="noStrike" cap="none" normalizeH="0" baseline="0" dirty="0" smtClean="0">
+                <a:ln>
+                  <a:noFill/>
+                </a:ln>
+                <a:solidFill>
+                  <a:srgbClr val="000000"/>
+                </a:solidFill>
+                <a:effectLst/>
+                <a:latin typeface="Courier New" panose="02070309020205020404" pitchFamily="49" charset="0"/>
+                <a:cs typeface="Courier New" panose="02070309020205020404" pitchFamily="49" charset="0"/>
+              </a:rPr>
+              <a:t>注入： </a:t>
+            </a:r>
+            <a:r>
+              <a:rPr kumimoji="0" lang="cs-CZ" altLang="zh-CN" b="0" i="0" u="none" strike="noStrike" cap="none" normalizeH="0" baseline="0" dirty="0" smtClean="0">
+                <a:ln>
+                  <a:noFill/>
+                </a:ln>
+                <a:solidFill>
+                  <a:srgbClr val="000000"/>
+                </a:solidFill>
+                <a:effectLst/>
+                <a:latin typeface="Courier New" panose="02070309020205020404" pitchFamily="49" charset="0"/>
+                <a:cs typeface="Courier New" panose="02070309020205020404" pitchFamily="49" charset="0"/>
+              </a:rPr>
+              <a:t>IocManager.Register</a:t>
+            </a:r>
+            <a:r>
+              <a:rPr kumimoji="0" lang="cs-CZ" altLang="zh-CN" b="0" i="0" u="none" strike="noStrike" cap="none" normalizeH="0" baseline="0" dirty="0" smtClean="0">
+                <a:ln>
+                  <a:noFill/>
+                </a:ln>
+                <a:solidFill>
+                  <a:srgbClr val="0000FF"/>
+                </a:solidFill>
+                <a:effectLst/>
+                <a:latin typeface="Courier New" panose="02070309020205020404" pitchFamily="49" charset="0"/>
+                <a:cs typeface="Courier New" panose="02070309020205020404" pitchFamily="49" charset="0"/>
+              </a:rPr>
+              <a:t>&lt;</a:t>
+            </a:r>
+            <a:r>
+              <a:rPr kumimoji="0" lang="cs-CZ" altLang="zh-CN" b="0" i="0" u="none" strike="noStrike" cap="none" normalizeH="0" baseline="0" dirty="0" smtClean="0">
+                <a:ln>
+                  <a:noFill/>
+                </a:ln>
+                <a:solidFill>
+                  <a:srgbClr val="A31515"/>
+                </a:solidFill>
+                <a:effectLst/>
+                <a:latin typeface="Courier New" panose="02070309020205020404" pitchFamily="49" charset="0"/>
+                <a:cs typeface="Courier New" panose="02070309020205020404" pitchFamily="49" charset="0"/>
+              </a:rPr>
+              <a:t>MyModuleConfig</a:t>
+            </a:r>
+            <a:r>
+              <a:rPr kumimoji="0" lang="cs-CZ" altLang="zh-CN" b="0" i="0" u="none" strike="noStrike" cap="none" normalizeH="0" baseline="0" dirty="0" smtClean="0">
+                <a:ln>
+                  <a:noFill/>
+                </a:ln>
+                <a:solidFill>
+                  <a:srgbClr val="0000FF"/>
+                </a:solidFill>
+                <a:effectLst/>
+                <a:latin typeface="Courier New" panose="02070309020205020404" pitchFamily="49" charset="0"/>
+                <a:cs typeface="Courier New" panose="02070309020205020404" pitchFamily="49" charset="0"/>
+              </a:rPr>
+              <a:t>&gt;</a:t>
+            </a:r>
+            <a:r>
+              <a:rPr kumimoji="0" lang="cs-CZ" altLang="zh-CN" b="0" i="0" u="none" strike="noStrike" cap="none" normalizeH="0" baseline="0" dirty="0" smtClean="0">
+                <a:ln>
+                  <a:noFill/>
+                </a:ln>
+                <a:solidFill>
+                  <a:srgbClr val="000000"/>
+                </a:solidFill>
+                <a:effectLst/>
+                <a:latin typeface="Courier New" panose="02070309020205020404" pitchFamily="49" charset="0"/>
+                <a:cs typeface="Courier New" panose="02070309020205020404" pitchFamily="49" charset="0"/>
+              </a:rPr>
+              <a:t>();</a:t>
+            </a:r>
+            <a:endParaRPr kumimoji="0" lang="cs-CZ" altLang="zh-CN" sz="2800" b="0" i="0" u="none" strike="noStrike" cap="none" normalizeH="0" baseline="0" dirty="0" smtClean="0">
+              <a:ln>
+                <a:noFill/>
+              </a:ln>
+              <a:solidFill>
+                <a:schemeClr val="tx1"/>
+              </a:solidFill>
+              <a:effectLst/>
+            </a:endParaRPr>
+          </a:p>
+          <a:p>
+            <a:pPr marL="0" marR="0" lvl="0" indent="0" algn="l" defTabSz="914400" rtl="0" eaLnBrk="0" fontAlgn="base" latinLnBrk="0" hangingPunct="0">
+              <a:lnSpc>
+                <a:spcPct val="100000"/>
+              </a:lnSpc>
+              <a:spcBef>
+                <a:spcPct val="0"/>
+              </a:spcBef>
+              <a:spcAft>
+                <a:spcPct val="0"/>
+              </a:spcAft>
+              <a:buClrTx/>
+              <a:buSzTx/>
+              <a:buFontTx/>
+              <a:buNone/>
+              <a:tabLst/>
+            </a:pPr>
+            <a:r>
+              <a:rPr kumimoji="0" lang="zh-CN" altLang="en-US" b="0" i="0" u="none" strike="noStrike" cap="none" normalizeH="0" baseline="0" dirty="0" smtClean="0">
+                <a:ln>
+                  <a:noFill/>
+                </a:ln>
+                <a:solidFill>
+                  <a:srgbClr val="000000"/>
+                </a:solidFill>
+                <a:effectLst/>
+                <a:latin typeface="Courier New" panose="02070309020205020404" pitchFamily="49" charset="0"/>
+                <a:cs typeface="Courier New" panose="02070309020205020404" pitchFamily="49" charset="0"/>
+              </a:rPr>
+              <a:t>使用： </a:t>
+            </a:r>
+            <a:r>
+              <a:rPr kumimoji="0" lang="cs-CZ" altLang="zh-CN" b="0" i="0" u="none" strike="noStrike" cap="none" normalizeH="0" baseline="0" dirty="0" smtClean="0">
+                <a:ln>
+                  <a:noFill/>
+                </a:ln>
+                <a:solidFill>
+                  <a:srgbClr val="000000"/>
+                </a:solidFill>
+                <a:effectLst/>
+                <a:latin typeface="Courier New" panose="02070309020205020404" pitchFamily="49" charset="0"/>
+                <a:cs typeface="Courier New" panose="02070309020205020404" pitchFamily="49" charset="0"/>
+              </a:rPr>
+              <a:t>Configuration.</a:t>
+            </a:r>
+            <a:r>
+              <a:rPr kumimoji="0" lang="cs-CZ" altLang="zh-CN" b="1" i="0" u="none" strike="noStrike" cap="none" normalizeH="0" baseline="0" dirty="0" smtClean="0">
+                <a:ln>
+                  <a:noFill/>
+                </a:ln>
+                <a:solidFill>
+                  <a:srgbClr val="000000"/>
+                </a:solidFill>
+                <a:effectLst/>
+                <a:latin typeface="Courier New" panose="02070309020205020404" pitchFamily="49" charset="0"/>
+                <a:cs typeface="Courier New" panose="02070309020205020404" pitchFamily="49" charset="0"/>
+              </a:rPr>
+              <a:t>Get&lt;MyModuleConfig&gt;()</a:t>
+            </a:r>
+            <a:r>
+              <a:rPr kumimoji="0" lang="cs-CZ" altLang="zh-CN" b="0" i="0" u="none" strike="noStrike" cap="none" normalizeH="0" baseline="0" dirty="0" smtClean="0">
+                <a:ln>
+                  <a:noFill/>
+                </a:ln>
+                <a:solidFill>
+                  <a:srgbClr val="000000"/>
+                </a:solidFill>
+                <a:effectLst/>
+                <a:latin typeface="Courier New" panose="02070309020205020404" pitchFamily="49" charset="0"/>
+                <a:cs typeface="Courier New" panose="02070309020205020404" pitchFamily="49" charset="0"/>
+              </a:rPr>
+              <a:t>.SampleConfig1 = </a:t>
+            </a:r>
+            <a:r>
+              <a:rPr kumimoji="0" lang="cs-CZ" altLang="zh-CN" b="0" i="0" u="none" strike="noStrike" cap="none" normalizeH="0" baseline="0" dirty="0" smtClean="0">
+                <a:ln>
+                  <a:noFill/>
+                </a:ln>
+                <a:solidFill>
+                  <a:srgbClr val="0000FF"/>
+                </a:solidFill>
+                <a:effectLst/>
+                <a:latin typeface="Courier New" panose="02070309020205020404" pitchFamily="49" charset="0"/>
+                <a:cs typeface="Courier New" panose="02070309020205020404" pitchFamily="49" charset="0"/>
+              </a:rPr>
+              <a:t>false</a:t>
+            </a:r>
+            <a:r>
+              <a:rPr kumimoji="0" lang="cs-CZ" altLang="zh-CN" b="0" i="0" u="none" strike="noStrike" cap="none" normalizeH="0" baseline="0" dirty="0" smtClean="0">
+                <a:ln>
+                  <a:noFill/>
+                </a:ln>
+                <a:solidFill>
+                  <a:srgbClr val="000000"/>
+                </a:solidFill>
+                <a:effectLst/>
+                <a:latin typeface="Courier New" panose="02070309020205020404" pitchFamily="49" charset="0"/>
+                <a:cs typeface="Courier New" panose="02070309020205020404" pitchFamily="49" charset="0"/>
+              </a:rPr>
+              <a:t>;</a:t>
+            </a:r>
+            <a:r>
+              <a:rPr kumimoji="0" lang="cs-CZ" altLang="zh-CN" sz="2800" b="0" i="0" u="none" strike="noStrike" cap="none" normalizeH="0" baseline="0" dirty="0" smtClean="0">
+                <a:ln>
+                  <a:noFill/>
+                </a:ln>
+                <a:solidFill>
+                  <a:schemeClr val="tx1"/>
+                </a:solidFill>
+                <a:effectLst/>
+              </a:rPr>
+              <a:t> </a:t>
+            </a:r>
+            <a:endParaRPr kumimoji="0" lang="cs-CZ" altLang="zh-CN" sz="4400" b="0" i="0" u="none" strike="noStrike" cap="none" normalizeH="0" baseline="0" dirty="0" smtClean="0">
+              <a:ln>
+                <a:noFill/>
+              </a:ln>
+              <a:solidFill>
+                <a:schemeClr val="tx1"/>
+              </a:solidFill>
+              <a:effectLst/>
+              <a:latin typeface="Arial" panose="020B0604020202020204" pitchFamily="34" charset="0"/>
+            </a:endParaRPr>
+          </a:p>
+        </p:txBody>
+      </p:sp>
+      <p:sp>
+        <p:nvSpPr>
+          <p:cNvPr id="21" name="Rectangle 4"/>
+          <p:cNvSpPr>
+            <a:spLocks noChangeArrowheads="1"/>
+          </p:cNvSpPr>
+          <p:nvPr/>
+        </p:nvSpPr>
+        <p:spPr bwMode="auto">
+          <a:xfrm>
+            <a:off x="952902" y="1012519"/>
+            <a:ext cx="7005444" cy="1200329"/>
+          </a:xfrm>
+          <a:prstGeom prst="rect">
+            <a:avLst/>
+          </a:prstGeom>
+          <a:solidFill>
+            <a:srgbClr val="FFFFFF"/>
+          </a:solidFill>
+          <a:ln>
+            <a:noFill/>
+          </a:ln>
+          <a:effectLst/>
+          <a:extLst>
+            <a:ext uri="{91240B29-F687-4F45-9708-019B960494DF}">
+              <a14:hiddenLine xmlns:a14="http://schemas.microsoft.com/office/drawing/2010/main" w="9525">
+                <a:solidFill>
+                  <a:schemeClr val="tx1"/>
+                </a:solidFill>
+                <a:miter lim="800000"/>
+                <a:headEnd/>
+                <a:tailEnd/>
+              </a14:hiddenLine>
+            </a:ext>
+            <a:ext uri="{AF507438-7753-43E0-B8FC-AC1667EBCBE1}">
+              <a14:hiddenEffects xmlns:a14="http://schemas.microsoft.com/office/drawing/2010/main">
+                <a:effectLst>
+                  <a:outerShdw dist="35921" dir="2700000" algn="ctr" rotWithShape="0">
+                    <a:schemeClr val="bg2"/>
+                  </a:outerShdw>
+                </a:effectLst>
+              </a14:hiddenEffects>
+            </a:ext>
+          </a:extLst>
+        </p:spPr>
+        <p:txBody>
+          <a:bodyPr vert="horz" wrap="none" lIns="91440" tIns="45720" rIns="91440" bIns="45720" numCol="1" anchor="ctr" anchorCtr="0" compatLnSpc="1">
+            <a:prstTxWarp prst="textNoShape">
+              <a:avLst/>
+            </a:prstTxWarp>
+            <a:spAutoFit/>
+          </a:bodyPr>
+          <a:lstStyle/>
+          <a:p>
+            <a:pPr marL="0" marR="0" lvl="0" indent="0" algn="l" defTabSz="914400" rtl="0" eaLnBrk="0" fontAlgn="base" latinLnBrk="0" hangingPunct="0">
+              <a:spcBef>
+                <a:spcPct val="0"/>
+              </a:spcBef>
+              <a:spcAft>
+                <a:spcPct val="0"/>
+              </a:spcAft>
+              <a:buClrTx/>
+              <a:buSzTx/>
+              <a:buFontTx/>
+              <a:buNone/>
+              <a:tabLst/>
+            </a:pPr>
+            <a:r>
+              <a:rPr kumimoji="0" lang="cs-CZ" altLang="zh-CN" sz="2400" b="0" i="0" u="none" strike="noStrike" cap="none" normalizeH="0" baseline="0" dirty="0" smtClean="0">
+                <a:ln>
+                  <a:noFill/>
+                </a:ln>
+                <a:solidFill>
+                  <a:srgbClr val="008000"/>
+                </a:solidFill>
+                <a:effectLst/>
+                <a:latin typeface="Courier New" panose="02070309020205020404" pitchFamily="49" charset="0"/>
+                <a:cs typeface="Courier New" panose="02070309020205020404" pitchFamily="49" charset="0"/>
+              </a:rPr>
+              <a:t>//Add languages for your application</a:t>
+            </a:r>
+            <a:r>
+              <a:rPr kumimoji="0" lang="cs-CZ" altLang="zh-CN" sz="2400" b="0" i="0" u="none" strike="noStrike" cap="none" normalizeH="0" baseline="0" dirty="0" smtClean="0">
+                <a:ln>
+                  <a:noFill/>
+                </a:ln>
+                <a:solidFill>
+                  <a:srgbClr val="000000"/>
+                </a:solidFill>
+                <a:effectLst/>
+                <a:latin typeface="Courier New" panose="02070309020205020404" pitchFamily="49" charset="0"/>
+                <a:cs typeface="Courier New" panose="02070309020205020404" pitchFamily="49" charset="0"/>
+              </a:rPr>
+              <a:t> </a:t>
+            </a:r>
+            <a:endParaRPr kumimoji="0" lang="en-US" altLang="zh-CN" sz="2400" b="0" i="0" u="none" strike="noStrike" cap="none" normalizeH="0" baseline="0" dirty="0" smtClean="0">
+              <a:ln>
+                <a:noFill/>
+              </a:ln>
+              <a:solidFill>
+                <a:srgbClr val="000000"/>
+              </a:solidFill>
+              <a:effectLst/>
+              <a:latin typeface="Courier New" panose="02070309020205020404" pitchFamily="49" charset="0"/>
+              <a:cs typeface="Courier New" panose="02070309020205020404" pitchFamily="49" charset="0"/>
+            </a:endParaRPr>
+          </a:p>
+          <a:p>
+            <a:pPr marL="0" marR="0" lvl="0" indent="0" algn="l" defTabSz="914400" rtl="0" eaLnBrk="0" fontAlgn="base" latinLnBrk="0" hangingPunct="0">
+              <a:spcBef>
+                <a:spcPct val="0"/>
+              </a:spcBef>
+              <a:spcAft>
+                <a:spcPct val="0"/>
+              </a:spcAft>
+              <a:buClrTx/>
+              <a:buSzTx/>
+              <a:buFontTx/>
+              <a:buNone/>
+              <a:tabLst/>
+            </a:pPr>
+            <a:r>
+              <a:rPr kumimoji="0" lang="cs-CZ" altLang="zh-CN" sz="2400" b="0" i="0" u="none" strike="noStrike" cap="none" normalizeH="0" baseline="0" dirty="0" smtClean="0">
+                <a:ln>
+                  <a:noFill/>
+                </a:ln>
+                <a:solidFill>
+                  <a:srgbClr val="008000"/>
+                </a:solidFill>
+                <a:effectLst/>
+                <a:latin typeface="Courier New" panose="02070309020205020404" pitchFamily="49" charset="0"/>
+                <a:cs typeface="Courier New" panose="02070309020205020404" pitchFamily="49" charset="0"/>
+              </a:rPr>
+              <a:t>//Add a localization source</a:t>
+            </a:r>
+            <a:r>
+              <a:rPr kumimoji="0" lang="cs-CZ" altLang="zh-CN" sz="2400" b="0" i="0" u="none" strike="noStrike" cap="none" normalizeH="0" baseline="0" dirty="0" smtClean="0">
+                <a:ln>
+                  <a:noFill/>
+                </a:ln>
+                <a:solidFill>
+                  <a:srgbClr val="000000"/>
+                </a:solidFill>
+                <a:effectLst/>
+                <a:latin typeface="Courier New" panose="02070309020205020404" pitchFamily="49" charset="0"/>
+                <a:cs typeface="Courier New" panose="02070309020205020404" pitchFamily="49" charset="0"/>
+              </a:rPr>
+              <a:t> </a:t>
+            </a:r>
+            <a:endParaRPr lang="en-US" altLang="zh-CN" sz="2400" dirty="0">
+              <a:solidFill>
+                <a:srgbClr val="000000"/>
+              </a:solidFill>
+              <a:latin typeface="Courier New" panose="02070309020205020404" pitchFamily="49" charset="0"/>
+              <a:cs typeface="Courier New" panose="02070309020205020404" pitchFamily="49" charset="0"/>
+            </a:endParaRPr>
+          </a:p>
+          <a:p>
+            <a:pPr marL="0" marR="0" lvl="0" indent="0" algn="l" defTabSz="914400" rtl="0" eaLnBrk="0" fontAlgn="base" latinLnBrk="0" hangingPunct="0">
+              <a:spcBef>
+                <a:spcPct val="0"/>
+              </a:spcBef>
+              <a:spcAft>
+                <a:spcPct val="0"/>
+              </a:spcAft>
+              <a:buClrTx/>
+              <a:buSzTx/>
+              <a:buFontTx/>
+              <a:buNone/>
+              <a:tabLst/>
+            </a:pPr>
+            <a:r>
+              <a:rPr kumimoji="0" lang="cs-CZ" altLang="zh-CN" sz="2400" b="0" i="0" u="none" strike="noStrike" cap="none" normalizeH="0" baseline="0" dirty="0" smtClean="0">
+                <a:ln>
+                  <a:noFill/>
+                </a:ln>
+                <a:solidFill>
+                  <a:srgbClr val="008000"/>
+                </a:solidFill>
+                <a:effectLst/>
+                <a:latin typeface="Courier New" panose="02070309020205020404" pitchFamily="49" charset="0"/>
+                <a:cs typeface="Courier New" panose="02070309020205020404" pitchFamily="49" charset="0"/>
+              </a:rPr>
+              <a:t>//Configure navigation/menu</a:t>
+            </a:r>
+            <a:endParaRPr kumimoji="0" lang="cs-CZ" altLang="zh-CN" sz="5400" b="0" i="0" u="none" strike="noStrike" cap="none" normalizeH="0" baseline="0" dirty="0" smtClean="0">
+              <a:ln>
+                <a:noFill/>
+              </a:ln>
+              <a:solidFill>
+                <a:schemeClr val="tx1"/>
+              </a:solidFill>
+              <a:effectLst/>
+              <a:latin typeface="Arial" panose="020B0604020202020204" pitchFamily="34" charset="0"/>
+            </a:endParaRPr>
+          </a:p>
+        </p:txBody>
+      </p:sp>
+    </p:spTree>
+    <p:extLst>
+      <p:ext uri="{BB962C8B-B14F-4D97-AF65-F5344CB8AC3E}">
+        <p14:creationId xmlns:p14="http://schemas.microsoft.com/office/powerpoint/2010/main" val="1650056218"/>
+      </p:ext>
+    </p:extLst>
+  </p:cSld>
+  <p:clrMapOvr>
+    <a:masterClrMapping/>
+  </p:clrMapOvr>
+</p:sld>
+</file>
+
+<file path=ppt/slides/slide9.xml><?xml version="1.0" encoding="utf-8"?>
+<p:sld xmlns:a="http://schemas.openxmlformats.org/drawingml/2006/main" xmlns:r="http://schemas.openxmlformats.org/officeDocument/2006/relationships" xmlns:p="http://schemas.openxmlformats.org/presentationml/2006/main">
+  <p:cSld>
+    <p:spTree>
+      <p:nvGrpSpPr>
+        <p:cNvPr id="1" name=""/>
+        <p:cNvGrpSpPr/>
+        <p:nvPr/>
+      </p:nvGrpSpPr>
+      <p:grpSpPr>
+        <a:xfrm>
+          <a:off x="0" y="0"/>
+          <a:ext cx="0" cy="0"/>
+          <a:chOff x="0" y="0"/>
+          <a:chExt cx="0" cy="0"/>
+        </a:xfrm>
+      </p:grpSpPr>
+      <p:sp>
+        <p:nvSpPr>
+          <p:cNvPr id="4" name="矩形 3"/>
+          <p:cNvSpPr/>
+          <p:nvPr/>
+        </p:nvSpPr>
+        <p:spPr>
+          <a:xfrm>
+            <a:off x="476744" y="214531"/>
+            <a:ext cx="2528641" cy="584775"/>
+          </a:xfrm>
+          <a:prstGeom prst="rect">
+            <a:avLst/>
+          </a:prstGeom>
+        </p:spPr>
+        <p:txBody>
+          <a:bodyPr wrap="none">
+            <a:spAutoFit/>
+          </a:bodyPr>
+          <a:lstStyle/>
+          <a:p>
+            <a:r>
+              <a:rPr lang="en-US" altLang="zh-CN" sz="3200" dirty="0"/>
+              <a:t>Multi Tenancy</a:t>
+            </a:r>
+          </a:p>
+        </p:txBody>
+      </p:sp>
+    </p:spTree>
+    <p:extLst>
+      <p:ext uri="{BB962C8B-B14F-4D97-AF65-F5344CB8AC3E}">
+        <p14:creationId xmlns:p14="http://schemas.microsoft.com/office/powerpoint/2010/main" val="1221135967"/>
       </p:ext>
     </p:extLst>
   </p:cSld>
